--- a/study_plan_who_said_what_x_EC.pptx
+++ b/study_plan_who_said_what_x_EC.pptx
@@ -107,6 +107,11 @@
       </a:defRPr>
     </a:lvl9pPr>
   </p:defaultTextStyle>
+  <p:extLst>
+    <p:ext uri="{EFAFB233-063F-42B5-8137-9DF3F51BA10A}">
+      <p15:sldGuideLst xmlns:p15="http://schemas.microsoft.com/office/powerpoint/2012/main"/>
+    </p:ext>
+  </p:extLst>
 </p:presentation>
 </file>
 
@@ -10185,7 +10190,7 @@
             <a:pPr algn="ctr"/>
             <a:r>
               <a:rPr lang="de-DE" dirty="0"/>
-              <a:t>24 CS </a:t>
+              <a:t>48 CS </a:t>
             </a:r>
             <a:r>
               <a:rPr lang="de-DE" dirty="0" err="1"/>
@@ -11670,11 +11675,11 @@
             </a:r>
             <a:r>
               <a:rPr lang="de-DE" sz="1400" dirty="0"/>
-              <a:t> 1: all 24 </a:t>
-            </a:r>
-            <a:r>
-              <a:rPr lang="de-DE" sz="1400" dirty="0" err="1"/>
-              <a:t>Uss</a:t>
+              <a:t> 1: all </a:t>
+            </a:r>
+            <a:r>
+              <a:rPr lang="de-DE" sz="1400"/>
+              <a:t>24 USs</a:t>
             </a:r>
             <a:endParaRPr lang="de-DE" sz="1400" dirty="0"/>
           </a:p>
